--- a/presentations/2024-04 Webinars/FHIR-Terminology-Part-3-2024-04-25.pptx
+++ b/presentations/2024-04 Webinars/FHIR-Terminology-Part-3-2024-04-25.pptx
@@ -5,10 +5,10 @@
     <p:sldMasterId id="2147483648" r:id="rId1"/>
   </p:sldMasterIdLst>
   <p:notesMasterIdLst>
-    <p:notesMasterId r:id="rId26"/>
+    <p:notesMasterId r:id="rId27"/>
   </p:notesMasterIdLst>
   <p:handoutMasterIdLst>
-    <p:handoutMasterId r:id="rId27"/>
+    <p:handoutMasterId r:id="rId28"/>
   </p:handoutMasterIdLst>
   <p:sldIdLst>
     <p:sldId id="644" r:id="rId2"/>
@@ -24,17 +24,18 @@
     <p:sldId id="692" r:id="rId12"/>
     <p:sldId id="694" r:id="rId13"/>
     <p:sldId id="696" r:id="rId14"/>
-    <p:sldId id="697" r:id="rId15"/>
-    <p:sldId id="628" r:id="rId16"/>
-    <p:sldId id="629" r:id="rId17"/>
-    <p:sldId id="630" r:id="rId18"/>
-    <p:sldId id="631" r:id="rId19"/>
-    <p:sldId id="632" r:id="rId20"/>
-    <p:sldId id="633" r:id="rId21"/>
-    <p:sldId id="634" r:id="rId22"/>
-    <p:sldId id="635" r:id="rId23"/>
-    <p:sldId id="636" r:id="rId24"/>
-    <p:sldId id="693" r:id="rId25"/>
+    <p:sldId id="699" r:id="rId15"/>
+    <p:sldId id="697" r:id="rId16"/>
+    <p:sldId id="628" r:id="rId17"/>
+    <p:sldId id="629" r:id="rId18"/>
+    <p:sldId id="630" r:id="rId19"/>
+    <p:sldId id="631" r:id="rId20"/>
+    <p:sldId id="632" r:id="rId21"/>
+    <p:sldId id="633" r:id="rId22"/>
+    <p:sldId id="634" r:id="rId23"/>
+    <p:sldId id="635" r:id="rId24"/>
+    <p:sldId id="636" r:id="rId25"/>
+    <p:sldId id="693" r:id="rId26"/>
   </p:sldIdLst>
   <p:sldSz cx="9144000" cy="5143500" type="screen16x9"/>
   <p:notesSz cx="6858000" cy="9144000"/>
@@ -10428,7 +10429,7 @@
           <p:cNvPr id="2" name="Title 1">
             <a:extLst>
               <a:ext uri="{FF2B5EF4-FFF2-40B4-BE49-F238E27FC236}">
-                <a16:creationId xmlns:a16="http://schemas.microsoft.com/office/drawing/2014/main" id="{204B9B09-9272-5472-E0DF-5526A8ACBE4E}"/>
+                <a16:creationId xmlns:a16="http://schemas.microsoft.com/office/drawing/2014/main" id="{052B3018-74D0-76D1-FDF1-29342D2C1FCE}"/>
               </a:ext>
             </a:extLst>
           </p:cNvPr>
@@ -10446,25 +10447,25 @@
           <a:p>
             <a:r>
               <a:rPr lang="en-US" dirty="0"/>
-              <a:t>further (Advanced) topics</a:t>
-            </a:r>
-          </a:p>
-        </p:txBody>
-      </p:sp>
-      <p:sp>
-        <p:nvSpPr>
-          <p:cNvPr id="3" name="Footer Placeholder 2">
-            <a:extLst>
-              <a:ext uri="{FF2B5EF4-FFF2-40B4-BE49-F238E27FC236}">
-                <a16:creationId xmlns:a16="http://schemas.microsoft.com/office/drawing/2014/main" id="{E0A647DF-C77A-1940-7554-21420856DF32}"/>
-              </a:ext>
-            </a:extLst>
-          </p:cNvPr>
-          <p:cNvSpPr>
-            <a:spLocks noGrp="1"/>
-          </p:cNvSpPr>
-          <p:nvPr>
-            <p:ph type="ftr" sz="quarter" idx="10"/>
+              <a:t>Your Questions (cont.)</a:t>
+            </a:r>
+          </a:p>
+        </p:txBody>
+      </p:sp>
+      <p:sp>
+        <p:nvSpPr>
+          <p:cNvPr id="3" name="Text Placeholder 2">
+            <a:extLst>
+              <a:ext uri="{FF2B5EF4-FFF2-40B4-BE49-F238E27FC236}">
+                <a16:creationId xmlns:a16="http://schemas.microsoft.com/office/drawing/2014/main" id="{D8C0A368-1754-22A3-9471-681CD1CEB7DF}"/>
+              </a:ext>
+            </a:extLst>
+          </p:cNvPr>
+          <p:cNvSpPr>
+            <a:spLocks noGrp="1"/>
+          </p:cNvSpPr>
+          <p:nvPr>
+            <p:ph type="body" sz="quarter" idx="13"/>
           </p:nvPr>
         </p:nvSpPr>
         <p:spPr/>
@@ -10473,25 +10474,79 @@
           <a:lstStyle/>
           <a:p>
             <a:r>
-              <a:rPr lang="en-US" b="1"/>
+              <a:rPr lang="en-US" dirty="0"/>
+              <a:t>SNOMED CT Description IDs</a:t>
+            </a:r>
+          </a:p>
+          <a:p>
+            <a:pPr lvl="1"/>
+            <a:r>
+              <a:rPr lang="en-US" dirty="0"/>
+              <a:t>Q: </a:t>
+            </a:r>
+            <a:r>
+              <a:rPr lang="en-US" b="0" i="0" dirty="0">
+                <a:solidFill>
+                  <a:srgbClr val="222222"/>
+                </a:solidFill>
+                <a:effectLst/>
+                <a:highlight>
+                  <a:srgbClr val="FFFFFF"/>
+                </a:highlight>
+                <a:latin typeface="+mn-lt"/>
+              </a:rPr>
+              <a:t>How do we create a custom code system and value set, add them to terminology service and make them available for consumption by FHIR resources and FHIR validation?</a:t>
+            </a:r>
+          </a:p>
+          <a:p>
+            <a:pPr lvl="1"/>
+            <a:r>
+              <a:rPr lang="en-US" dirty="0"/>
+              <a:t>A: We can discuss this.</a:t>
+            </a:r>
+          </a:p>
+        </p:txBody>
+      </p:sp>
+      <p:sp>
+        <p:nvSpPr>
+          <p:cNvPr id="4" name="Footer Placeholder 3">
+            <a:extLst>
+              <a:ext uri="{FF2B5EF4-FFF2-40B4-BE49-F238E27FC236}">
+                <a16:creationId xmlns:a16="http://schemas.microsoft.com/office/drawing/2014/main" id="{AFBCF623-B9C2-CA3F-715B-5518A491BF65}"/>
+              </a:ext>
+            </a:extLst>
+          </p:cNvPr>
+          <p:cNvSpPr>
+            <a:spLocks noGrp="1"/>
+          </p:cNvSpPr>
+          <p:nvPr>
+            <p:ph type="ftr" sz="quarter" idx="10"/>
+          </p:nvPr>
+        </p:nvSpPr>
+        <p:spPr/>
+        <p:txBody>
+          <a:bodyPr/>
+          <a:lstStyle/>
+          <a:p>
+            <a:r>
+              <a:rPr lang="en-US" b="1" dirty="0"/>
               <a:t>© 2019 Health Level Seven ® International. Licensed under Creative Commons Attribution 4.0 International</a:t>
             </a:r>
           </a:p>
           <a:p>
             <a:r>
-              <a:rPr lang="en-US" b="1"/>
+              <a:rPr lang="en-US" b="1" dirty="0"/>
               <a:t>HL7, Health Level Seven, FHIR and the FHIR flame logo are registered trademarks of Health Level Seven International. Reg. U.S. TM Office.</a:t>
             </a:r>
-            <a:endParaRPr lang="en-US" b="1" dirty="0"/>
-          </a:p>
-        </p:txBody>
-      </p:sp>
-      <p:sp>
-        <p:nvSpPr>
-          <p:cNvPr id="4" name="Slide Number Placeholder 3">
-            <a:extLst>
-              <a:ext uri="{FF2B5EF4-FFF2-40B4-BE49-F238E27FC236}">
-                <a16:creationId xmlns:a16="http://schemas.microsoft.com/office/drawing/2014/main" id="{0D8445C6-CF18-3CF2-D71B-50EF4A7E0436}"/>
+          </a:p>
+        </p:txBody>
+      </p:sp>
+      <p:sp>
+        <p:nvSpPr>
+          <p:cNvPr id="5" name="Slide Number Placeholder 4">
+            <a:extLst>
+              <a:ext uri="{FF2B5EF4-FFF2-40B4-BE49-F238E27FC236}">
+                <a16:creationId xmlns:a16="http://schemas.microsoft.com/office/drawing/2014/main" id="{24AE16FA-5F02-C775-0CC5-09E998368F57}"/>
               </a:ext>
             </a:extLst>
           </p:cNvPr>
@@ -10519,7 +10574,7 @@
     </p:spTree>
     <p:extLst>
       <p:ext uri="{BB962C8B-B14F-4D97-AF65-F5344CB8AC3E}">
-        <p14:creationId xmlns:p14="http://schemas.microsoft.com/office/powerpoint/2010/main" val="1180311610"/>
+        <p14:creationId xmlns:p14="http://schemas.microsoft.com/office/powerpoint/2010/main" val="331037365"/>
       </p:ext>
     </p:extLst>
   </p:cSld>
@@ -10551,7 +10606,7 @@
           <p:cNvPr id="2" name="Title 1">
             <a:extLst>
               <a:ext uri="{FF2B5EF4-FFF2-40B4-BE49-F238E27FC236}">
-                <a16:creationId xmlns:a16="http://schemas.microsoft.com/office/drawing/2014/main" id="{42EF15F9-AFB0-7488-1D33-8663A04A1226}"/>
+                <a16:creationId xmlns:a16="http://schemas.microsoft.com/office/drawing/2014/main" id="{204B9B09-9272-5472-E0DF-5526A8ACBE4E}"/>
               </a:ext>
             </a:extLst>
           </p:cNvPr>
@@ -10568,24 +10623,9 @@
           <a:lstStyle/>
           <a:p>
             <a:r>
-              <a:rPr lang="en-US" dirty="0">
-                <a:cs typeface="Arial" panose="020B0604020202020204" pitchFamily="34" charset="0"/>
-              </a:rPr>
-              <a:t>FHIR R5 </a:t>
-            </a:r>
-            <a:r>
-              <a:rPr lang="en-US" dirty="0" err="1">
-                <a:cs typeface="Arial" panose="020B0604020202020204" pitchFamily="34" charset="0"/>
-              </a:rPr>
-              <a:t>ConceptMap</a:t>
-            </a:r>
-            <a:r>
-              <a:rPr lang="en-US" dirty="0">
-                <a:cs typeface="Arial" panose="020B0604020202020204" pitchFamily="34" charset="0"/>
-              </a:rPr>
-              <a:t> updates – initial look</a:t>
-            </a:r>
-            <a:endParaRPr lang="en-US" dirty="0"/>
+              <a:rPr lang="en-US" dirty="0"/>
+              <a:t>further (Advanced) topics</a:t>
+            </a:r>
           </a:p>
         </p:txBody>
       </p:sp>
@@ -10594,7 +10634,7 @@
           <p:cNvPr id="3" name="Footer Placeholder 2">
             <a:extLst>
               <a:ext uri="{FF2B5EF4-FFF2-40B4-BE49-F238E27FC236}">
-                <a16:creationId xmlns:a16="http://schemas.microsoft.com/office/drawing/2014/main" id="{F4F0042F-5DFE-EC88-560F-C9713976F9EB}"/>
+                <a16:creationId xmlns:a16="http://schemas.microsoft.com/office/drawing/2014/main" id="{E0A647DF-C77A-1940-7554-21420856DF32}"/>
               </a:ext>
             </a:extLst>
           </p:cNvPr>
@@ -10629,7 +10669,7 @@
           <p:cNvPr id="4" name="Slide Number Placeholder 3">
             <a:extLst>
               <a:ext uri="{FF2B5EF4-FFF2-40B4-BE49-F238E27FC236}">
-                <a16:creationId xmlns:a16="http://schemas.microsoft.com/office/drawing/2014/main" id="{99C0E837-B6FD-7EF0-B8E5-4F62624B77DB}"/>
+                <a16:creationId xmlns:a16="http://schemas.microsoft.com/office/drawing/2014/main" id="{0D8445C6-CF18-3CF2-D71B-50EF4A7E0436}"/>
               </a:ext>
             </a:extLst>
           </p:cNvPr>
@@ -10657,7 +10697,7 @@
     </p:spTree>
     <p:extLst>
       <p:ext uri="{BB962C8B-B14F-4D97-AF65-F5344CB8AC3E}">
-        <p14:creationId xmlns:p14="http://schemas.microsoft.com/office/powerpoint/2010/main" val="1876315436"/>
+        <p14:creationId xmlns:p14="http://schemas.microsoft.com/office/powerpoint/2010/main" val="1180311610"/>
       </p:ext>
     </p:extLst>
   </p:cSld>
@@ -10689,7 +10729,7 @@
           <p:cNvPr id="2" name="Title 1">
             <a:extLst>
               <a:ext uri="{FF2B5EF4-FFF2-40B4-BE49-F238E27FC236}">
-                <a16:creationId xmlns:a16="http://schemas.microsoft.com/office/drawing/2014/main" id="{33215BD2-C1C2-98D7-6954-3775DD80347F}"/>
+                <a16:creationId xmlns:a16="http://schemas.microsoft.com/office/drawing/2014/main" id="{42EF15F9-AFB0-7488-1D33-8663A04A1226}"/>
               </a:ext>
             </a:extLst>
           </p:cNvPr>
@@ -10706,122 +10746,96 @@
           <a:lstStyle/>
           <a:p>
             <a:r>
-              <a:rPr lang="en-US" dirty="0"/>
-              <a:t>Summary of R5 </a:t>
-            </a:r>
-            <a:r>
-              <a:rPr lang="en-US" dirty="0" err="1"/>
+              <a:rPr lang="en-US" dirty="0">
+                <a:cs typeface="Arial" panose="020B0604020202020204" pitchFamily="34" charset="0"/>
+              </a:rPr>
+              <a:t>FHIR R5 </a:t>
+            </a:r>
+            <a:r>
+              <a:rPr lang="en-US" dirty="0" err="1">
+                <a:cs typeface="Arial" panose="020B0604020202020204" pitchFamily="34" charset="0"/>
+              </a:rPr>
               <a:t>ConceptMap</a:t>
             </a:r>
             <a:r>
-              <a:rPr lang="en-US" dirty="0"/>
-              <a:t> changes</a:t>
-            </a:r>
-          </a:p>
-        </p:txBody>
-      </p:sp>
-      <p:sp>
-        <p:nvSpPr>
-          <p:cNvPr id="3" name="Text Placeholder 2">
-            <a:extLst>
-              <a:ext uri="{FF2B5EF4-FFF2-40B4-BE49-F238E27FC236}">
-                <a16:creationId xmlns:a16="http://schemas.microsoft.com/office/drawing/2014/main" id="{5333FF42-C0C7-19DA-54CF-E18A9993E8B5}"/>
-              </a:ext>
-            </a:extLst>
-          </p:cNvPr>
-          <p:cNvSpPr>
-            <a:spLocks noGrp="1"/>
-          </p:cNvSpPr>
-          <p:nvPr>
-            <p:ph type="body" sz="quarter" idx="13"/>
-          </p:nvPr>
-        </p:nvSpPr>
-        <p:spPr>
-          <a:xfrm>
-            <a:off x="614362" y="1107229"/>
-            <a:ext cx="8228883" cy="2929042"/>
-          </a:xfrm>
-        </p:spPr>
+              <a:rPr lang="en-US" dirty="0">
+                <a:cs typeface="Arial" panose="020B0604020202020204" pitchFamily="34" charset="0"/>
+              </a:rPr>
+              <a:t> updates – initial look</a:t>
+            </a:r>
+            <a:endParaRPr lang="en-US" dirty="0"/>
+          </a:p>
+        </p:txBody>
+      </p:sp>
+      <p:sp>
+        <p:nvSpPr>
+          <p:cNvPr id="3" name="Footer Placeholder 2">
+            <a:extLst>
+              <a:ext uri="{FF2B5EF4-FFF2-40B4-BE49-F238E27FC236}">
+                <a16:creationId xmlns:a16="http://schemas.microsoft.com/office/drawing/2014/main" id="{F4F0042F-5DFE-EC88-560F-C9713976F9EB}"/>
+              </a:ext>
+            </a:extLst>
+          </p:cNvPr>
+          <p:cNvSpPr>
+            <a:spLocks noGrp="1"/>
+          </p:cNvSpPr>
+          <p:nvPr>
+            <p:ph type="ftr" sz="quarter" idx="10"/>
+          </p:nvPr>
+        </p:nvSpPr>
+        <p:spPr/>
         <p:txBody>
           <a:bodyPr/>
           <a:lstStyle/>
           <a:p>
             <a:r>
-              <a:rPr lang="en-US" dirty="0"/>
-              <a:t>Element “equivalence” replaced by “relationship”</a:t>
-            </a:r>
-          </a:p>
-          <a:p>
-            <a:pPr lvl="1"/>
-            <a:r>
-              <a:rPr lang="en-US" dirty="0"/>
-              <a:t>Was (10): </a:t>
-            </a:r>
-            <a:r>
-              <a:rPr lang="en-US" dirty="0" err="1"/>
-              <a:t>relatedto</a:t>
-            </a:r>
-            <a:r>
-              <a:rPr lang="en-US" dirty="0"/>
-              <a:t> | equivalent | equal | wider | subsumes | narrower | specializes | inexact | unmatched | disjoint</a:t>
-            </a:r>
-          </a:p>
-          <a:p>
-            <a:pPr lvl="1"/>
-            <a:r>
-              <a:rPr lang="en-US" dirty="0"/>
-              <a:t>Now (5): related-to | equivalent | source-is-narrower-than-target | source-is-broader-than-target | not-related-to</a:t>
-            </a:r>
-          </a:p>
-          <a:p>
-            <a:pPr lvl="1"/>
-            <a:r>
-              <a:rPr lang="en-US" dirty="0"/>
-              <a:t>The directional relationships have the direction made explicit in the code – should help avoid confusion!</a:t>
-            </a:r>
-          </a:p>
-          <a:p>
-            <a:r>
-              <a:rPr lang="en-US" dirty="0" err="1"/>
-              <a:t>group.element.target.equivalence</a:t>
-            </a:r>
-            <a:r>
-              <a:rPr lang="en-US" dirty="0"/>
-              <a:t> = ‘unmatched’ replaced by </a:t>
-            </a:r>
-            <a:r>
-              <a:rPr lang="en-US" dirty="0" err="1"/>
-              <a:t>group.element.noMap</a:t>
-            </a:r>
-            <a:r>
-              <a:rPr lang="en-US" dirty="0"/>
-              <a:t> (</a:t>
-            </a:r>
-            <a:r>
-              <a:rPr lang="en-US" dirty="0" err="1"/>
-              <a:t>boolean</a:t>
-            </a:r>
-            <a:r>
-              <a:rPr lang="en-US" dirty="0"/>
-              <a:t>)</a:t>
-            </a:r>
-          </a:p>
-          <a:p>
-            <a:pPr lvl="1"/>
-            <a:r>
-              <a:rPr lang="en-US" dirty="0"/>
-              <a:t>No longer necessary to create a ‘target’ when there is none!</a:t>
-            </a:r>
-          </a:p>
-          <a:p>
-            <a:endParaRPr lang="en-US" dirty="0"/>
+              <a:rPr lang="en-US" b="1"/>
+              <a:t>© 2019 Health Level Seven ® International. Licensed under Creative Commons Attribution 4.0 International</a:t>
+            </a:r>
+          </a:p>
+          <a:p>
+            <a:r>
+              <a:rPr lang="en-US" b="1"/>
+              <a:t>HL7, Health Level Seven, FHIR and the FHIR flame logo are registered trademarks of Health Level Seven International. Reg. U.S. TM Office.</a:t>
+            </a:r>
+            <a:endParaRPr lang="en-US" b="1" dirty="0"/>
+          </a:p>
+        </p:txBody>
+      </p:sp>
+      <p:sp>
+        <p:nvSpPr>
+          <p:cNvPr id="4" name="Slide Number Placeholder 3">
+            <a:extLst>
+              <a:ext uri="{FF2B5EF4-FFF2-40B4-BE49-F238E27FC236}">
+                <a16:creationId xmlns:a16="http://schemas.microsoft.com/office/drawing/2014/main" id="{99C0E837-B6FD-7EF0-B8E5-4F62624B77DB}"/>
+              </a:ext>
+            </a:extLst>
+          </p:cNvPr>
+          <p:cNvSpPr>
+            <a:spLocks noGrp="1"/>
+          </p:cNvSpPr>
+          <p:nvPr>
+            <p:ph type="sldNum" sz="quarter" idx="11"/>
+          </p:nvPr>
+        </p:nvSpPr>
+        <p:spPr/>
+        <p:txBody>
+          <a:bodyPr/>
+          <a:lstStyle/>
+          <a:p>
+            <a:fld id="{6CACE926-AEF5-4BFE-8BD7-24414108CB7B}" type="slidenum">
+              <a:rPr lang="en-US" altLang="en-US" smtClean="0"/>
+              <a:pPr/>
+              <a:t>16</a:t>
+            </a:fld>
+            <a:endParaRPr lang="en-US" altLang="en-US" dirty="0"/>
           </a:p>
         </p:txBody>
       </p:sp>
     </p:spTree>
     <p:extLst>
       <p:ext uri="{BB962C8B-B14F-4D97-AF65-F5344CB8AC3E}">
-        <p14:creationId xmlns:p14="http://schemas.microsoft.com/office/powerpoint/2010/main" val="3378234645"/>
+        <p14:creationId xmlns:p14="http://schemas.microsoft.com/office/powerpoint/2010/main" val="1876315436"/>
       </p:ext>
     </p:extLst>
   </p:cSld>
@@ -10879,7 +10893,7 @@
             </a:r>
             <a:r>
               <a:rPr lang="en-US" dirty="0"/>
-              <a:t> changes (2)</a:t>
+              <a:t> changes</a:t>
             </a:r>
           </a:p>
         </p:txBody>
@@ -10902,7 +10916,7 @@
         </p:nvSpPr>
         <p:spPr>
           <a:xfrm>
-            <a:off x="721938" y="863659"/>
+            <a:off x="614362" y="1107229"/>
             <a:ext cx="8228883" cy="2929042"/>
           </a:xfrm>
         </p:spPr>
@@ -10912,97 +10926,80 @@
           <a:p>
             <a:r>
               <a:rPr lang="en-US" dirty="0"/>
-              <a:t>Now can do mappings from or to a </a:t>
+              <a:t>Element “equivalence” replaced by “relationship”</a:t>
+            </a:r>
+          </a:p>
+          <a:p>
+            <a:pPr lvl="1"/>
+            <a:r>
+              <a:rPr lang="en-US" dirty="0"/>
+              <a:t>Was (10): </a:t>
             </a:r>
             <a:r>
               <a:rPr lang="en-US" dirty="0" err="1"/>
-              <a:t>valueSet</a:t>
+              <a:t>relatedto</a:t>
             </a:r>
             <a:r>
               <a:rPr lang="en-US" dirty="0"/>
-              <a:t>, rather than only a single code per mapping (also in unmapped)</a:t>
+              <a:t> | equivalent | equal | wider | subsumes | narrower | specializes | inexact | unmatched | disjoint</a:t>
             </a:r>
           </a:p>
           <a:p>
             <a:pPr lvl="1"/>
             <a:r>
+              <a:rPr lang="en-US" dirty="0"/>
+              <a:t>Now (5): related-to | equivalent | source-is-narrower-than-target | source-is-broader-than-target | not-related-to</a:t>
+            </a:r>
+          </a:p>
+          <a:p>
+            <a:pPr lvl="1"/>
+            <a:r>
+              <a:rPr lang="en-US" dirty="0"/>
+              <a:t>The directional relationships have the direction made explicit in the code – should help avoid confusion!</a:t>
+            </a:r>
+          </a:p>
+          <a:p>
+            <a:r>
               <a:rPr lang="en-US" dirty="0" err="1"/>
-              <a:t>group.element.code</a:t>
+              <a:t>group.element.target.equivalence</a:t>
             </a:r>
             <a:r>
               <a:rPr lang="en-US" dirty="0"/>
-              <a:t> </a:t>
-            </a:r>
-            <a:r>
-              <a:rPr lang="en-US" b="1" dirty="0"/>
-              <a:t>OR </a:t>
+              <a:t> = ‘unmatched’ replaced by </a:t>
             </a:r>
             <a:r>
               <a:rPr lang="en-US" dirty="0" err="1"/>
-              <a:t>group.element.valueSet</a:t>
-            </a:r>
+              <a:t>group.element.noMap</a:t>
+            </a:r>
+            <a:r>
+              <a:rPr lang="en-US" dirty="0"/>
+              <a:t> (</a:t>
+            </a:r>
+            <a:r>
+              <a:rPr lang="en-US" dirty="0" err="1"/>
+              <a:t>boolean</a:t>
+            </a:r>
+            <a:r>
+              <a:rPr lang="en-US" dirty="0"/>
+              <a:t>)</a:t>
+            </a:r>
+          </a:p>
+          <a:p>
+            <a:pPr lvl="1"/>
+            <a:r>
+              <a:rPr lang="en-US" dirty="0"/>
+              <a:t>No longer necessary to create a ‘target’ when there is none!</a:t>
+            </a:r>
+          </a:p>
+          <a:p>
             <a:endParaRPr lang="en-US" dirty="0"/>
-          </a:p>
-          <a:p>
-            <a:r>
-              <a:rPr lang="en-US" dirty="0" err="1"/>
-              <a:t>dependsOn</a:t>
-            </a:r>
-            <a:r>
-              <a:rPr lang="en-US" dirty="0"/>
-              <a:t> and product now allow a choice of value types (not only string)</a:t>
-            </a:r>
-          </a:p>
-          <a:p>
-            <a:r>
-              <a:rPr lang="en-US" dirty="0"/>
-              <a:t>‘source’ and ‘target’ elements (references to </a:t>
-            </a:r>
-            <a:r>
-              <a:rPr lang="en-US" dirty="0" err="1"/>
-              <a:t>uri</a:t>
-            </a:r>
-            <a:r>
-              <a:rPr lang="en-US" dirty="0"/>
-              <a:t> or </a:t>
-            </a:r>
-            <a:r>
-              <a:rPr lang="en-US" dirty="0" err="1"/>
-              <a:t>valueSet</a:t>
-            </a:r>
-            <a:r>
-              <a:rPr lang="en-US" dirty="0"/>
-              <a:t>) are now renamed to ‘</a:t>
-            </a:r>
-            <a:r>
-              <a:rPr lang="en-US" dirty="0" err="1"/>
-              <a:t>sourceScope</a:t>
-            </a:r>
-            <a:r>
-              <a:rPr lang="en-US" dirty="0"/>
-              <a:t>’ and ‘</a:t>
-            </a:r>
-            <a:r>
-              <a:rPr lang="en-US" dirty="0" err="1"/>
-              <a:t>targetScope</a:t>
-            </a:r>
-            <a:r>
-              <a:rPr lang="en-US" dirty="0"/>
-              <a:t>’ to clarify their meaning and use</a:t>
-            </a:r>
-          </a:p>
-          <a:p>
-            <a:r>
-              <a:rPr lang="en-US" dirty="0"/>
-              <a:t>Other elements and descriptive text have been updated and (hopefully) clarified</a:t>
-            </a:r>
           </a:p>
         </p:txBody>
       </p:sp>
     </p:spTree>
     <p:extLst>
       <p:ext uri="{BB962C8B-B14F-4D97-AF65-F5344CB8AC3E}">
-        <p14:creationId xmlns:p14="http://schemas.microsoft.com/office/powerpoint/2010/main" val="1539480216"/>
+        <p14:creationId xmlns:p14="http://schemas.microsoft.com/office/powerpoint/2010/main" val="3378234645"/>
       </p:ext>
     </p:extLst>
   </p:cSld>
@@ -11052,7 +11049,15 @@
           <a:p>
             <a:r>
               <a:rPr lang="en-US" dirty="0"/>
-              <a:t>Summary of R5 $translate changes</a:t>
+              <a:t>Summary of R5 </a:t>
+            </a:r>
+            <a:r>
+              <a:rPr lang="en-US" dirty="0" err="1"/>
+              <a:t>ConceptMap</a:t>
+            </a:r>
+            <a:r>
+              <a:rPr lang="en-US" dirty="0"/>
+              <a:t> changes (2)</a:t>
             </a:r>
           </a:p>
         </p:txBody>
@@ -11073,28 +11078,101 @@
             <p:ph type="body" sz="quarter" idx="13"/>
           </p:nvPr>
         </p:nvSpPr>
-        <p:spPr/>
+        <p:spPr>
+          <a:xfrm>
+            <a:off x="721938" y="863659"/>
+            <a:ext cx="8228883" cy="2929042"/>
+          </a:xfrm>
+        </p:spPr>
         <p:txBody>
           <a:bodyPr/>
           <a:lstStyle/>
           <a:p>
             <a:r>
               <a:rPr lang="en-US" dirty="0"/>
-              <a:t>$translate operation parameters have also been renamed to be clearer and to match the corresponding resource elements</a:t>
-            </a:r>
-          </a:p>
-          <a:p>
+              <a:t>Now can do mappings from or to a </a:t>
+            </a:r>
+            <a:r>
+              <a:rPr lang="en-US" dirty="0" err="1"/>
+              <a:t>valueSet</a:t>
+            </a:r>
             <a:r>
               <a:rPr lang="en-US" dirty="0"/>
-              <a:t>$translate ‘source’ and ‘target’ input parameters now can specify ‘code’, ‘Coding’ or ‘</a:t>
-            </a:r>
+              <a:t>, rather than only a single code per mapping (also in unmapped)</a:t>
+            </a:r>
+          </a:p>
+          <a:p>
+            <a:pPr lvl="1"/>
             <a:r>
               <a:rPr lang="en-US" dirty="0" err="1"/>
-              <a:t>CodeableConcept</a:t>
+              <a:t>group.element.code</a:t>
             </a:r>
             <a:r>
               <a:rPr lang="en-US" dirty="0"/>
-              <a:t>’ (new parameters added)</a:t>
+              <a:t> </a:t>
+            </a:r>
+            <a:r>
+              <a:rPr lang="en-US" b="1" dirty="0"/>
+              <a:t>OR </a:t>
+            </a:r>
+            <a:r>
+              <a:rPr lang="en-US" dirty="0" err="1"/>
+              <a:t>group.element.valueSet</a:t>
+            </a:r>
+            <a:endParaRPr lang="en-US" dirty="0"/>
+          </a:p>
+          <a:p>
+            <a:r>
+              <a:rPr lang="en-US" dirty="0" err="1"/>
+              <a:t>dependsOn</a:t>
+            </a:r>
+            <a:r>
+              <a:rPr lang="en-US" dirty="0"/>
+              <a:t> and product now allow a choice of value types (not only string)</a:t>
+            </a:r>
+          </a:p>
+          <a:p>
+            <a:r>
+              <a:rPr lang="en-US" dirty="0"/>
+              <a:t>‘source’ and ‘target’ elements (references to </a:t>
+            </a:r>
+            <a:r>
+              <a:rPr lang="en-US" dirty="0" err="1"/>
+              <a:t>uri</a:t>
+            </a:r>
+            <a:r>
+              <a:rPr lang="en-US" dirty="0"/>
+              <a:t> or </a:t>
+            </a:r>
+            <a:r>
+              <a:rPr lang="en-US" dirty="0" err="1"/>
+              <a:t>valueSet</a:t>
+            </a:r>
+            <a:r>
+              <a:rPr lang="en-US" dirty="0"/>
+              <a:t>) are now renamed to ‘</a:t>
+            </a:r>
+            <a:r>
+              <a:rPr lang="en-US" dirty="0" err="1"/>
+              <a:t>sourceScope</a:t>
+            </a:r>
+            <a:r>
+              <a:rPr lang="en-US" dirty="0"/>
+              <a:t>’ and ‘</a:t>
+            </a:r>
+            <a:r>
+              <a:rPr lang="en-US" dirty="0" err="1"/>
+              <a:t>targetScope</a:t>
+            </a:r>
+            <a:r>
+              <a:rPr lang="en-US" dirty="0"/>
+              <a:t>’ to clarify their meaning and use</a:t>
+            </a:r>
+          </a:p>
+          <a:p>
+            <a:r>
+              <a:rPr lang="en-US" dirty="0"/>
+              <a:t>Other elements and descriptive text have been updated and (hopefully) clarified</a:t>
             </a:r>
           </a:p>
         </p:txBody>
@@ -11102,7 +11180,7 @@
     </p:spTree>
     <p:extLst>
       <p:ext uri="{BB962C8B-B14F-4D97-AF65-F5344CB8AC3E}">
-        <p14:creationId xmlns:p14="http://schemas.microsoft.com/office/powerpoint/2010/main" val="71687522"/>
+        <p14:creationId xmlns:p14="http://schemas.microsoft.com/office/powerpoint/2010/main" val="1539480216"/>
       </p:ext>
     </p:extLst>
   </p:cSld>
@@ -11152,7 +11230,7 @@
           <a:p>
             <a:r>
               <a:rPr lang="en-US" dirty="0"/>
-              <a:t>Summary of R5 $translate changes (2)</a:t>
+              <a:t>Summary of R5 $translate changes</a:t>
             </a:r>
           </a:p>
         </p:txBody>
@@ -11180,35 +11258,21 @@
           <a:p>
             <a:r>
               <a:rPr lang="en-US" dirty="0"/>
-              <a:t>‘dependency’ and ‘</a:t>
+              <a:t>$translate operation parameters have also been renamed to be clearer and to match the corresponding resource elements</a:t>
+            </a:r>
+          </a:p>
+          <a:p>
+            <a:r>
+              <a:rPr lang="en-US" dirty="0"/>
+              <a:t>$translate ‘source’ and ‘target’ input parameters now can specify ‘code’, ‘Coding’ or ‘</a:t>
             </a:r>
             <a:r>
               <a:rPr lang="en-US" dirty="0" err="1"/>
-              <a:t>match.product</a:t>
+              <a:t>CodeableConcept</a:t>
             </a:r>
             <a:r>
               <a:rPr lang="en-US" dirty="0"/>
-              <a:t>’ values can now have a choice of value types (corresponding to the resource)</a:t>
-            </a:r>
-          </a:p>
-          <a:p>
-            <a:r>
-              <a:rPr lang="en-US" dirty="0"/>
-              <a:t>‘reverse’ input parameter removed</a:t>
-            </a:r>
-          </a:p>
-          <a:p>
-            <a:pPr lvl="1"/>
-            <a:r>
-              <a:rPr lang="en-US" dirty="0"/>
-              <a:t>This was confusing</a:t>
-            </a:r>
-          </a:p>
-          <a:p>
-            <a:pPr lvl="1"/>
-            <a:r>
-              <a:rPr lang="en-US" dirty="0"/>
-              <a:t>If both directions are needed, can make that explicit</a:t>
+              <a:t>’ (new parameters added)</a:t>
             </a:r>
           </a:p>
         </p:txBody>
@@ -11216,7 +11280,7 @@
     </p:spTree>
     <p:extLst>
       <p:ext uri="{BB962C8B-B14F-4D97-AF65-F5344CB8AC3E}">
-        <p14:creationId xmlns:p14="http://schemas.microsoft.com/office/powerpoint/2010/main" val="1799317740"/>
+        <p14:creationId xmlns:p14="http://schemas.microsoft.com/office/powerpoint/2010/main" val="71687522"/>
       </p:ext>
     </p:extLst>
   </p:cSld>
@@ -11562,7 +11626,7 @@
           <p:cNvPr id="2" name="Title 1">
             <a:extLst>
               <a:ext uri="{FF2B5EF4-FFF2-40B4-BE49-F238E27FC236}">
-                <a16:creationId xmlns:a16="http://schemas.microsoft.com/office/drawing/2014/main" id="{B197BEA2-822B-BB01-CD67-918188F4C960}"/>
+                <a16:creationId xmlns:a16="http://schemas.microsoft.com/office/drawing/2014/main" id="{33215BD2-C1C2-98D7-6954-3775DD80347F}"/>
               </a:ext>
             </a:extLst>
           </p:cNvPr>
@@ -11580,15 +11644,7 @@
           <a:p>
             <a:r>
               <a:rPr lang="en-US" dirty="0"/>
-              <a:t>R5 </a:t>
-            </a:r>
-            <a:r>
-              <a:rPr lang="en-US" dirty="0" err="1"/>
-              <a:t>ConceptMap</a:t>
-            </a:r>
-            <a:r>
-              <a:rPr lang="en-US" dirty="0"/>
-              <a:t> server support</a:t>
+              <a:t>Summary of R5 $translate changes (2)</a:t>
             </a:r>
           </a:p>
         </p:txBody>
@@ -11598,7 +11654,7 @@
           <p:cNvPr id="3" name="Text Placeholder 2">
             <a:extLst>
               <a:ext uri="{FF2B5EF4-FFF2-40B4-BE49-F238E27FC236}">
-                <a16:creationId xmlns:a16="http://schemas.microsoft.com/office/drawing/2014/main" id="{4159ED27-F293-B98A-B274-11A79BC8EF5C}"/>
+                <a16:creationId xmlns:a16="http://schemas.microsoft.com/office/drawing/2014/main" id="{5333FF42-C0C7-19DA-54CF-E18A9993E8B5}"/>
               </a:ext>
             </a:extLst>
           </p:cNvPr>
@@ -11616,138 +11672,43 @@
           <a:p>
             <a:r>
               <a:rPr lang="en-US" dirty="0"/>
-              <a:t>CSIRO R5 endpoint</a:t>
+              <a:t>‘dependency’ and ‘</a:t>
+            </a:r>
+            <a:r>
+              <a:rPr lang="en-US" dirty="0" err="1"/>
+              <a:t>match.product</a:t>
+            </a:r>
+            <a:r>
+              <a:rPr lang="en-US" dirty="0"/>
+              <a:t>’ values can now have a choice of value types (corresponding to the resource)</a:t>
+            </a:r>
+          </a:p>
+          <a:p>
+            <a:r>
+              <a:rPr lang="en-US" dirty="0"/>
+              <a:t>‘reverse’ input parameter removed</a:t>
             </a:r>
           </a:p>
           <a:p>
             <a:pPr lvl="1"/>
             <a:r>
-              <a:rPr lang="en-US" dirty="0">
-                <a:hlinkClick r:id="rId2"/>
-              </a:rPr>
-              <a:t>https://ontoserver-r5.australiaeast.cloudapp.azure.com/fhir</a:t>
-            </a:r>
-            <a:endParaRPr lang="en-US" dirty="0"/>
-          </a:p>
-          <a:p>
-            <a:r>
               <a:rPr lang="en-US" dirty="0"/>
-              <a:t>Example</a:t>
+              <a:t>This was confusing</a:t>
             </a:r>
           </a:p>
           <a:p>
             <a:pPr lvl="1"/>
             <a:r>
-              <a:rPr lang="en-US" b="0" i="0" u="none" strike="noStrike" dirty="0">
-                <a:solidFill>
-                  <a:srgbClr val="0088CC"/>
-                </a:solidFill>
-                <a:effectLst/>
-                <a:latin typeface="Source Sans 3"/>
-                <a:hlinkClick r:id="rId3" tooltip="https://ontoserver-r5.australiaeast.cloudapp.azure.com/fhir/ConceptMap/$translate?code=ADT_A04.MSH&amp;system=http://hl7.org/fhir/ADT_A04"/>
-              </a:rPr>
-              <a:t>https://ontoserver-r5.australiaeast.cloudapp.azure.com/fhir/ConceptMap/$translate?code=ADT_A04.MSH&amp;system=http://hl7.org/fhir/ADT_A04</a:t>
-            </a:r>
-            <a:endParaRPr lang="en-US" b="0" i="0" u="none" strike="noStrike" dirty="0">
-              <a:solidFill>
-                <a:srgbClr val="0088CC"/>
-              </a:solidFill>
-              <a:effectLst/>
-              <a:latin typeface="Source Sans 3"/>
-            </a:endParaRPr>
-          </a:p>
-          <a:p>
-            <a:r>
-              <a:rPr lang="en-US" dirty="0" err="1"/>
-              <a:t>Zulip</a:t>
-            </a:r>
-            <a:r>
               <a:rPr lang="en-US" dirty="0"/>
-              <a:t> R5 terminology server </a:t>
-            </a:r>
-            <a:r>
-              <a:rPr lang="en-US" dirty="0">
-                <a:hlinkClick r:id="rId4"/>
-              </a:rPr>
-              <a:t>discussion</a:t>
-            </a:r>
-            <a:endParaRPr lang="en-US" dirty="0"/>
-          </a:p>
-          <a:p>
-            <a:pPr lvl="1"/>
-            <a:endParaRPr lang="en-US" dirty="0"/>
-          </a:p>
-        </p:txBody>
-      </p:sp>
-      <p:sp>
-        <p:nvSpPr>
-          <p:cNvPr id="4" name="Footer Placeholder 3">
-            <a:extLst>
-              <a:ext uri="{FF2B5EF4-FFF2-40B4-BE49-F238E27FC236}">
-                <a16:creationId xmlns:a16="http://schemas.microsoft.com/office/drawing/2014/main" id="{8DAB198F-0C6E-E3EF-0911-4F2B74FA9593}"/>
-              </a:ext>
-            </a:extLst>
-          </p:cNvPr>
-          <p:cNvSpPr>
-            <a:spLocks noGrp="1"/>
-          </p:cNvSpPr>
-          <p:nvPr>
-            <p:ph type="ftr" sz="quarter" idx="10"/>
-          </p:nvPr>
-        </p:nvSpPr>
-        <p:spPr/>
-        <p:txBody>
-          <a:bodyPr/>
-          <a:lstStyle/>
-          <a:p>
-            <a:r>
-              <a:rPr lang="en-US" b="1"/>
-              <a:t>© 2019 Health Level Seven ® International. Licensed under Creative Commons Attribution 4.0 International</a:t>
-            </a:r>
-          </a:p>
-          <a:p>
-            <a:r>
-              <a:rPr lang="en-US" b="1"/>
-              <a:t>HL7, Health Level Seven, FHIR and the FHIR flame logo are registered trademarks of Health Level Seven International. Reg. U.S. TM Office.</a:t>
-            </a:r>
-            <a:endParaRPr lang="en-US" b="1" dirty="0"/>
-          </a:p>
-        </p:txBody>
-      </p:sp>
-      <p:sp>
-        <p:nvSpPr>
-          <p:cNvPr id="5" name="Slide Number Placeholder 4">
-            <a:extLst>
-              <a:ext uri="{FF2B5EF4-FFF2-40B4-BE49-F238E27FC236}">
-                <a16:creationId xmlns:a16="http://schemas.microsoft.com/office/drawing/2014/main" id="{C1DF1C64-720F-D5B1-A4D6-96A18206FF96}"/>
-              </a:ext>
-            </a:extLst>
-          </p:cNvPr>
-          <p:cNvSpPr>
-            <a:spLocks noGrp="1"/>
-          </p:cNvSpPr>
-          <p:nvPr>
-            <p:ph type="sldNum" sz="quarter" idx="11"/>
-          </p:nvPr>
-        </p:nvSpPr>
-        <p:spPr/>
-        <p:txBody>
-          <a:bodyPr/>
-          <a:lstStyle/>
-          <a:p>
-            <a:fld id="{6CACE926-AEF5-4BFE-8BD7-24414108CB7B}" type="slidenum">
-              <a:rPr lang="en-US" altLang="en-US" smtClean="0"/>
-              <a:pPr/>
-              <a:t>20</a:t>
-            </a:fld>
-            <a:endParaRPr lang="en-US" altLang="en-US" dirty="0"/>
+              <a:t>If both directions are needed, can make that explicit</a:t>
+            </a:r>
           </a:p>
         </p:txBody>
       </p:sp>
     </p:spTree>
     <p:extLst>
       <p:ext uri="{BB962C8B-B14F-4D97-AF65-F5344CB8AC3E}">
-        <p14:creationId xmlns:p14="http://schemas.microsoft.com/office/powerpoint/2010/main" val="28245380"/>
+        <p14:creationId xmlns:p14="http://schemas.microsoft.com/office/powerpoint/2010/main" val="1799317740"/>
       </p:ext>
     </p:extLst>
   </p:cSld>
@@ -11779,7 +11740,7 @@
           <p:cNvPr id="2" name="Title 1">
             <a:extLst>
               <a:ext uri="{FF2B5EF4-FFF2-40B4-BE49-F238E27FC236}">
-                <a16:creationId xmlns:a16="http://schemas.microsoft.com/office/drawing/2014/main" id="{CD348E32-D85F-8E5D-F551-2C53D558152F}"/>
+                <a16:creationId xmlns:a16="http://schemas.microsoft.com/office/drawing/2014/main" id="{B197BEA2-822B-BB01-CD67-918188F4C960}"/>
               </a:ext>
             </a:extLst>
           </p:cNvPr>
@@ -11797,25 +11758,33 @@
           <a:p>
             <a:r>
               <a:rPr lang="en-US" dirty="0"/>
-              <a:t>UTG and THO</a:t>
-            </a:r>
-          </a:p>
-        </p:txBody>
-      </p:sp>
-      <p:sp>
-        <p:nvSpPr>
-          <p:cNvPr id="3" name="Footer Placeholder 2">
-            <a:extLst>
-              <a:ext uri="{FF2B5EF4-FFF2-40B4-BE49-F238E27FC236}">
-                <a16:creationId xmlns:a16="http://schemas.microsoft.com/office/drawing/2014/main" id="{B1B4F6C0-C20C-FB59-4756-CB892C6C1633}"/>
-              </a:ext>
-            </a:extLst>
-          </p:cNvPr>
-          <p:cNvSpPr>
-            <a:spLocks noGrp="1"/>
-          </p:cNvSpPr>
-          <p:nvPr>
-            <p:ph type="ftr" sz="quarter" idx="10"/>
+              <a:t>R5 </a:t>
+            </a:r>
+            <a:r>
+              <a:rPr lang="en-US" dirty="0" err="1"/>
+              <a:t>ConceptMap</a:t>
+            </a:r>
+            <a:r>
+              <a:rPr lang="en-US" dirty="0"/>
+              <a:t> server support</a:t>
+            </a:r>
+          </a:p>
+        </p:txBody>
+      </p:sp>
+      <p:sp>
+        <p:nvSpPr>
+          <p:cNvPr id="3" name="Text Placeholder 2">
+            <a:extLst>
+              <a:ext uri="{FF2B5EF4-FFF2-40B4-BE49-F238E27FC236}">
+                <a16:creationId xmlns:a16="http://schemas.microsoft.com/office/drawing/2014/main" id="{4159ED27-F293-B98A-B274-11A79BC8EF5C}"/>
+              </a:ext>
+            </a:extLst>
+          </p:cNvPr>
+          <p:cNvSpPr>
+            <a:spLocks noGrp="1"/>
+          </p:cNvSpPr>
+          <p:nvPr>
+            <p:ph type="body" sz="quarter" idx="13"/>
           </p:nvPr>
         </p:nvSpPr>
         <p:spPr/>
@@ -11824,6 +11793,92 @@
           <a:lstStyle/>
           <a:p>
             <a:r>
+              <a:rPr lang="en-US" dirty="0"/>
+              <a:t>CSIRO R5 endpoint</a:t>
+            </a:r>
+          </a:p>
+          <a:p>
+            <a:pPr lvl="1"/>
+            <a:r>
+              <a:rPr lang="en-US" dirty="0">
+                <a:hlinkClick r:id="rId2"/>
+              </a:rPr>
+              <a:t>https://ontoserver-r5.australiaeast.cloudapp.azure.com/fhir</a:t>
+            </a:r>
+            <a:endParaRPr lang="en-US" dirty="0"/>
+          </a:p>
+          <a:p>
+            <a:r>
+              <a:rPr lang="en-US" dirty="0"/>
+              <a:t>Example</a:t>
+            </a:r>
+          </a:p>
+          <a:p>
+            <a:pPr lvl="1"/>
+            <a:r>
+              <a:rPr lang="en-US" b="0" i="0" u="none" strike="noStrike" dirty="0">
+                <a:solidFill>
+                  <a:srgbClr val="0088CC"/>
+                </a:solidFill>
+                <a:effectLst/>
+                <a:latin typeface="Source Sans 3"/>
+                <a:hlinkClick r:id="rId3" tooltip="https://ontoserver-r5.australiaeast.cloudapp.azure.com/fhir/ConceptMap/$translate?code=ADT_A04.MSH&amp;system=http://hl7.org/fhir/ADT_A04"/>
+              </a:rPr>
+              <a:t>https://ontoserver-r5.australiaeast.cloudapp.azure.com/fhir/ConceptMap/$translate?code=ADT_A04.MSH&amp;system=http://hl7.org/fhir/ADT_A04</a:t>
+            </a:r>
+            <a:endParaRPr lang="en-US" b="0" i="0" u="none" strike="noStrike" dirty="0">
+              <a:solidFill>
+                <a:srgbClr val="0088CC"/>
+              </a:solidFill>
+              <a:effectLst/>
+              <a:latin typeface="Source Sans 3"/>
+            </a:endParaRPr>
+          </a:p>
+          <a:p>
+            <a:r>
+              <a:rPr lang="en-US" dirty="0" err="1"/>
+              <a:t>Zulip</a:t>
+            </a:r>
+            <a:r>
+              <a:rPr lang="en-US" dirty="0"/>
+              <a:t> R5 terminology server </a:t>
+            </a:r>
+            <a:r>
+              <a:rPr lang="en-US" dirty="0">
+                <a:hlinkClick r:id="rId4"/>
+              </a:rPr>
+              <a:t>discussion</a:t>
+            </a:r>
+            <a:endParaRPr lang="en-US" dirty="0"/>
+          </a:p>
+          <a:p>
+            <a:pPr lvl="1"/>
+            <a:endParaRPr lang="en-US" dirty="0"/>
+          </a:p>
+        </p:txBody>
+      </p:sp>
+      <p:sp>
+        <p:nvSpPr>
+          <p:cNvPr id="4" name="Footer Placeholder 3">
+            <a:extLst>
+              <a:ext uri="{FF2B5EF4-FFF2-40B4-BE49-F238E27FC236}">
+                <a16:creationId xmlns:a16="http://schemas.microsoft.com/office/drawing/2014/main" id="{8DAB198F-0C6E-E3EF-0911-4F2B74FA9593}"/>
+              </a:ext>
+            </a:extLst>
+          </p:cNvPr>
+          <p:cNvSpPr>
+            <a:spLocks noGrp="1"/>
+          </p:cNvSpPr>
+          <p:nvPr>
+            <p:ph type="ftr" sz="quarter" idx="10"/>
+          </p:nvPr>
+        </p:nvSpPr>
+        <p:spPr/>
+        <p:txBody>
+          <a:bodyPr/>
+          <a:lstStyle/>
+          <a:p>
+            <a:r>
               <a:rPr lang="en-US" b="1"/>
               <a:t>© 2019 Health Level Seven ® International. Licensed under Creative Commons Attribution 4.0 International</a:t>
             </a:r>
@@ -11839,10 +11894,10 @@
       </p:sp>
       <p:sp>
         <p:nvSpPr>
-          <p:cNvPr id="4" name="Slide Number Placeholder 3">
-            <a:extLst>
-              <a:ext uri="{FF2B5EF4-FFF2-40B4-BE49-F238E27FC236}">
-                <a16:creationId xmlns:a16="http://schemas.microsoft.com/office/drawing/2014/main" id="{F2B7300C-773C-F77B-9381-973C32EDF07F}"/>
+          <p:cNvPr id="5" name="Slide Number Placeholder 4">
+            <a:extLst>
+              <a:ext uri="{FF2B5EF4-FFF2-40B4-BE49-F238E27FC236}">
+                <a16:creationId xmlns:a16="http://schemas.microsoft.com/office/drawing/2014/main" id="{C1DF1C64-720F-D5B1-A4D6-96A18206FF96}"/>
               </a:ext>
             </a:extLst>
           </p:cNvPr>
@@ -11870,7 +11925,7 @@
     </p:spTree>
     <p:extLst>
       <p:ext uri="{BB962C8B-B14F-4D97-AF65-F5344CB8AC3E}">
-        <p14:creationId xmlns:p14="http://schemas.microsoft.com/office/powerpoint/2010/main" val="394540030"/>
+        <p14:creationId xmlns:p14="http://schemas.microsoft.com/office/powerpoint/2010/main" val="28245380"/>
       </p:ext>
     </p:extLst>
   </p:cSld>
@@ -11902,7 +11957,7 @@
           <p:cNvPr id="2" name="Title 1">
             <a:extLst>
               <a:ext uri="{FF2B5EF4-FFF2-40B4-BE49-F238E27FC236}">
-                <a16:creationId xmlns:a16="http://schemas.microsoft.com/office/drawing/2014/main" id="{9C7F7AC0-72E7-24D2-966C-1FDE6E200A44}"/>
+                <a16:creationId xmlns:a16="http://schemas.microsoft.com/office/drawing/2014/main" id="{CD348E32-D85F-8E5D-F551-2C53D558152F}"/>
               </a:ext>
             </a:extLst>
           </p:cNvPr>
@@ -11920,25 +11975,25 @@
           <a:p>
             <a:r>
               <a:rPr lang="en-US" dirty="0"/>
-              <a:t>Unified Terminology Governance (UTG)</a:t>
-            </a:r>
-          </a:p>
-        </p:txBody>
-      </p:sp>
-      <p:sp>
-        <p:nvSpPr>
-          <p:cNvPr id="3" name="Text Placeholder 2">
-            <a:extLst>
-              <a:ext uri="{FF2B5EF4-FFF2-40B4-BE49-F238E27FC236}">
-                <a16:creationId xmlns:a16="http://schemas.microsoft.com/office/drawing/2014/main" id="{AB45852B-207A-71DC-9A74-CB497BB7D03E}"/>
-              </a:ext>
-            </a:extLst>
-          </p:cNvPr>
-          <p:cNvSpPr>
-            <a:spLocks noGrp="1"/>
-          </p:cNvSpPr>
-          <p:nvPr>
-            <p:ph type="body" sz="quarter" idx="13"/>
+              <a:t>UTG and THO</a:t>
+            </a:r>
+          </a:p>
+        </p:txBody>
+      </p:sp>
+      <p:sp>
+        <p:nvSpPr>
+          <p:cNvPr id="3" name="Footer Placeholder 2">
+            <a:extLst>
+              <a:ext uri="{FF2B5EF4-FFF2-40B4-BE49-F238E27FC236}">
+                <a16:creationId xmlns:a16="http://schemas.microsoft.com/office/drawing/2014/main" id="{B1B4F6C0-C20C-FB59-4756-CB892C6C1633}"/>
+              </a:ext>
+            </a:extLst>
+          </p:cNvPr>
+          <p:cNvSpPr>
+            <a:spLocks noGrp="1"/>
+          </p:cNvSpPr>
+          <p:nvPr>
+            <p:ph type="ftr" sz="quarter" idx="10"/>
           </p:nvPr>
         </p:nvSpPr>
         <p:spPr/>
@@ -11947,79 +12002,6 @@
           <a:lstStyle/>
           <a:p>
             <a:r>
-              <a:rPr lang="en-US" dirty="0"/>
-              <a:t>UTG is a </a:t>
-            </a:r>
-            <a:r>
-              <a:rPr lang="en-US" b="1" dirty="0"/>
-              <a:t>process</a:t>
-            </a:r>
-          </a:p>
-          <a:p>
-            <a:pPr lvl="1"/>
-            <a:r>
-              <a:rPr lang="en-US" dirty="0"/>
-              <a:t>How to add and maintain (modify, and in rare cases remove) content in THO (terminology.hl7.org)</a:t>
-            </a:r>
-          </a:p>
-          <a:p>
-            <a:pPr lvl="1"/>
-            <a:r>
-              <a:rPr lang="en-US" dirty="0"/>
-              <a:t>Submit and vote (by registered UTG voters) on UTG proposals </a:t>
-            </a:r>
-          </a:p>
-          <a:p>
-            <a:r>
-              <a:rPr lang="en-US" dirty="0"/>
-              <a:t>UTG </a:t>
-            </a:r>
-            <a:r>
-              <a:rPr lang="en-US" dirty="0">
-                <a:hlinkClick r:id="rId2"/>
-              </a:rPr>
-              <a:t>documentation</a:t>
-            </a:r>
-          </a:p>
-          <a:p>
-            <a:r>
-              <a:rPr lang="en-US" dirty="0"/>
-              <a:t>Additional slide deck available – time and interest permitting</a:t>
-            </a:r>
-          </a:p>
-          <a:p>
-            <a:pPr marL="0" indent="0">
-              <a:buNone/>
-            </a:pPr>
-            <a:endParaRPr lang="en-US" dirty="0"/>
-          </a:p>
-          <a:p>
-            <a:endParaRPr lang="en-US" dirty="0"/>
-          </a:p>
-        </p:txBody>
-      </p:sp>
-      <p:sp>
-        <p:nvSpPr>
-          <p:cNvPr id="4" name="Footer Placeholder 3">
-            <a:extLst>
-              <a:ext uri="{FF2B5EF4-FFF2-40B4-BE49-F238E27FC236}">
-                <a16:creationId xmlns:a16="http://schemas.microsoft.com/office/drawing/2014/main" id="{206637A2-A08F-C60B-0B5D-87EA51B53C5E}"/>
-              </a:ext>
-            </a:extLst>
-          </p:cNvPr>
-          <p:cNvSpPr>
-            <a:spLocks noGrp="1"/>
-          </p:cNvSpPr>
-          <p:nvPr>
-            <p:ph type="ftr" sz="quarter" idx="10"/>
-          </p:nvPr>
-        </p:nvSpPr>
-        <p:spPr/>
-        <p:txBody>
-          <a:bodyPr/>
-          <a:lstStyle/>
-          <a:p>
-            <a:r>
               <a:rPr lang="en-US" b="1"/>
               <a:t>© 2019 Health Level Seven ® International. Licensed under Creative Commons Attribution 4.0 International</a:t>
             </a:r>
@@ -12035,10 +12017,10 @@
       </p:sp>
       <p:sp>
         <p:nvSpPr>
-          <p:cNvPr id="5" name="Slide Number Placeholder 4">
-            <a:extLst>
-              <a:ext uri="{FF2B5EF4-FFF2-40B4-BE49-F238E27FC236}">
-                <a16:creationId xmlns:a16="http://schemas.microsoft.com/office/drawing/2014/main" id="{9D0C6815-0750-288C-C50A-3AEAE3BFAFB7}"/>
+          <p:cNvPr id="4" name="Slide Number Placeholder 3">
+            <a:extLst>
+              <a:ext uri="{FF2B5EF4-FFF2-40B4-BE49-F238E27FC236}">
+                <a16:creationId xmlns:a16="http://schemas.microsoft.com/office/drawing/2014/main" id="{F2B7300C-773C-F77B-9381-973C32EDF07F}"/>
               </a:ext>
             </a:extLst>
           </p:cNvPr>
@@ -12066,7 +12048,7 @@
     </p:spTree>
     <p:extLst>
       <p:ext uri="{BB962C8B-B14F-4D97-AF65-F5344CB8AC3E}">
-        <p14:creationId xmlns:p14="http://schemas.microsoft.com/office/powerpoint/2010/main" val="1696309496"/>
+        <p14:creationId xmlns:p14="http://schemas.microsoft.com/office/powerpoint/2010/main" val="394540030"/>
       </p:ext>
     </p:extLst>
   </p:cSld>
@@ -12098,7 +12080,7 @@
           <p:cNvPr id="2" name="Title 1">
             <a:extLst>
               <a:ext uri="{FF2B5EF4-FFF2-40B4-BE49-F238E27FC236}">
-                <a16:creationId xmlns:a16="http://schemas.microsoft.com/office/drawing/2014/main" id="{36F2ECCE-20AD-5137-E05D-F10C5470685F}"/>
+                <a16:creationId xmlns:a16="http://schemas.microsoft.com/office/drawing/2014/main" id="{9C7F7AC0-72E7-24D2-966C-1FDE6E200A44}"/>
               </a:ext>
             </a:extLst>
           </p:cNvPr>
@@ -12116,7 +12098,7 @@
           <a:p>
             <a:r>
               <a:rPr lang="en-US" dirty="0"/>
-              <a:t>terminology.hl7.org (THO)</a:t>
+              <a:t>Unified Terminology Governance (UTG)</a:t>
             </a:r>
           </a:p>
         </p:txBody>
@@ -12126,7 +12108,7 @@
           <p:cNvPr id="3" name="Text Placeholder 2">
             <a:extLst>
               <a:ext uri="{FF2B5EF4-FFF2-40B4-BE49-F238E27FC236}">
-                <a16:creationId xmlns:a16="http://schemas.microsoft.com/office/drawing/2014/main" id="{42F00440-C498-FC6A-F66A-D30B1AE91436}"/>
+                <a16:creationId xmlns:a16="http://schemas.microsoft.com/office/drawing/2014/main" id="{AB45852B-207A-71DC-9A74-CB497BB7D03E}"/>
               </a:ext>
             </a:extLst>
           </p:cNvPr>
@@ -12142,50 +12124,56 @@
           <a:bodyPr/>
           <a:lstStyle/>
           <a:p>
+            <a:r>
+              <a:rPr lang="en-US" dirty="0"/>
+              <a:t>UTG is a </a:t>
+            </a:r>
+            <a:r>
+              <a:rPr lang="en-US" b="1" dirty="0"/>
+              <a:t>process</a:t>
+            </a:r>
+          </a:p>
+          <a:p>
+            <a:pPr lvl="1"/>
+            <a:r>
+              <a:rPr lang="en-US" dirty="0"/>
+              <a:t>How to add and maintain (modify, and in rare cases remove) content in THO (terminology.hl7.org)</a:t>
+            </a:r>
+          </a:p>
+          <a:p>
+            <a:pPr lvl="1"/>
+            <a:r>
+              <a:rPr lang="en-US" dirty="0"/>
+              <a:t>Submit and vote (by registered UTG voters) on UTG proposals </a:t>
+            </a:r>
+          </a:p>
+          <a:p>
+            <a:r>
+              <a:rPr lang="en-US" dirty="0"/>
+              <a:t>UTG </a:t>
+            </a:r>
             <a:r>
               <a:rPr lang="en-US" dirty="0">
                 <a:hlinkClick r:id="rId2"/>
               </a:rPr>
-              <a:t>https://terminology.hl7.org/</a:t>
-            </a:r>
+              <a:t>documentation</a:t>
+            </a:r>
+          </a:p>
+          <a:p>
+            <a:r>
+              <a:rPr lang="en-US" dirty="0"/>
+              <a:t>Additional slide deck available – time and interest permitting</a:t>
+            </a:r>
+          </a:p>
+          <a:p>
+            <a:pPr marL="0" indent="0">
+              <a:buNone/>
+            </a:pPr>
             <a:endParaRPr lang="en-US" dirty="0"/>
           </a:p>
           <a:p>
-            <a:r>
-              <a:rPr lang="en-US" dirty="0"/>
-              <a:t>”Source of truth” for (most) HL7 terminology</a:t>
-            </a:r>
-          </a:p>
-          <a:p>
-            <a:r>
-              <a:rPr lang="en-US" dirty="0"/>
-              <a:t>Contains code systems (HL7 and external), identifier systems (normally external), value sets (some), concept maps (actually there are none at present)</a:t>
-            </a:r>
-          </a:p>
-          <a:p>
-            <a:r>
-              <a:rPr lang="en-US" dirty="0"/>
-              <a:t>THO is not a terminology service</a:t>
-            </a:r>
-          </a:p>
-          <a:p>
-            <a:pPr lvl="1"/>
-            <a:r>
-              <a:rPr lang="en-US" dirty="0"/>
-              <a:t>But THO content is provided for the FHIR core and IG build ecosystem in </a:t>
-            </a:r>
-            <a:r>
-              <a:rPr lang="en-US" dirty="0" err="1"/>
-              <a:t>tx.fhir.org</a:t>
-            </a:r>
             <a:endParaRPr lang="en-US" dirty="0"/>
           </a:p>
-          <a:p>
-            <a:endParaRPr lang="en-US" dirty="0"/>
-          </a:p>
-          <a:p>
-            <a:endParaRPr lang="en-US" dirty="0"/>
-          </a:p>
         </p:txBody>
       </p:sp>
       <p:sp>
@@ -12193,7 +12181,7 @@
           <p:cNvPr id="4" name="Footer Placeholder 3">
             <a:extLst>
               <a:ext uri="{FF2B5EF4-FFF2-40B4-BE49-F238E27FC236}">
-                <a16:creationId xmlns:a16="http://schemas.microsoft.com/office/drawing/2014/main" id="{91E14F11-31E3-5125-A2B5-1E71BCACF538}"/>
+                <a16:creationId xmlns:a16="http://schemas.microsoft.com/office/drawing/2014/main" id="{206637A2-A08F-C60B-0B5D-87EA51B53C5E}"/>
               </a:ext>
             </a:extLst>
           </p:cNvPr>
@@ -12228,7 +12216,7 @@
           <p:cNvPr id="5" name="Slide Number Placeholder 4">
             <a:extLst>
               <a:ext uri="{FF2B5EF4-FFF2-40B4-BE49-F238E27FC236}">
-                <a16:creationId xmlns:a16="http://schemas.microsoft.com/office/drawing/2014/main" id="{A51C1C9C-13D8-0D82-14D0-8A384F3F9C01}"/>
+                <a16:creationId xmlns:a16="http://schemas.microsoft.com/office/drawing/2014/main" id="{9D0C6815-0750-288C-C50A-3AEAE3BFAFB7}"/>
               </a:ext>
             </a:extLst>
           </p:cNvPr>
@@ -12256,7 +12244,7 @@
     </p:spTree>
     <p:extLst>
       <p:ext uri="{BB962C8B-B14F-4D97-AF65-F5344CB8AC3E}">
-        <p14:creationId xmlns:p14="http://schemas.microsoft.com/office/powerpoint/2010/main" val="1568763148"/>
+        <p14:creationId xmlns:p14="http://schemas.microsoft.com/office/powerpoint/2010/main" val="1696309496"/>
       </p:ext>
     </p:extLst>
   </p:cSld>
@@ -12285,6 +12273,196 @@
       </p:grpSpPr>
       <p:sp>
         <p:nvSpPr>
+          <p:cNvPr id="2" name="Title 1">
+            <a:extLst>
+              <a:ext uri="{FF2B5EF4-FFF2-40B4-BE49-F238E27FC236}">
+                <a16:creationId xmlns:a16="http://schemas.microsoft.com/office/drawing/2014/main" id="{36F2ECCE-20AD-5137-E05D-F10C5470685F}"/>
+              </a:ext>
+            </a:extLst>
+          </p:cNvPr>
+          <p:cNvSpPr>
+            <a:spLocks noGrp="1"/>
+          </p:cNvSpPr>
+          <p:nvPr>
+            <p:ph type="title"/>
+          </p:nvPr>
+        </p:nvSpPr>
+        <p:spPr/>
+        <p:txBody>
+          <a:bodyPr/>
+          <a:lstStyle/>
+          <a:p>
+            <a:r>
+              <a:rPr lang="en-US" dirty="0"/>
+              <a:t>terminology.hl7.org (THO)</a:t>
+            </a:r>
+          </a:p>
+        </p:txBody>
+      </p:sp>
+      <p:sp>
+        <p:nvSpPr>
+          <p:cNvPr id="3" name="Text Placeholder 2">
+            <a:extLst>
+              <a:ext uri="{FF2B5EF4-FFF2-40B4-BE49-F238E27FC236}">
+                <a16:creationId xmlns:a16="http://schemas.microsoft.com/office/drawing/2014/main" id="{42F00440-C498-FC6A-F66A-D30B1AE91436}"/>
+              </a:ext>
+            </a:extLst>
+          </p:cNvPr>
+          <p:cNvSpPr>
+            <a:spLocks noGrp="1"/>
+          </p:cNvSpPr>
+          <p:nvPr>
+            <p:ph type="body" sz="quarter" idx="13"/>
+          </p:nvPr>
+        </p:nvSpPr>
+        <p:spPr/>
+        <p:txBody>
+          <a:bodyPr/>
+          <a:lstStyle/>
+          <a:p>
+            <a:r>
+              <a:rPr lang="en-US" dirty="0">
+                <a:hlinkClick r:id="rId2"/>
+              </a:rPr>
+              <a:t>https://terminology.hl7.org/</a:t>
+            </a:r>
+            <a:endParaRPr lang="en-US" dirty="0"/>
+          </a:p>
+          <a:p>
+            <a:r>
+              <a:rPr lang="en-US" dirty="0"/>
+              <a:t>”Source of truth” for (most) HL7 terminology</a:t>
+            </a:r>
+          </a:p>
+          <a:p>
+            <a:r>
+              <a:rPr lang="en-US" dirty="0"/>
+              <a:t>Contains code systems (HL7 and external), identifier systems (normally external), value sets (some), concept maps (actually there are none at present)</a:t>
+            </a:r>
+          </a:p>
+          <a:p>
+            <a:r>
+              <a:rPr lang="en-US" dirty="0"/>
+              <a:t>THO is not a terminology service</a:t>
+            </a:r>
+          </a:p>
+          <a:p>
+            <a:pPr lvl="1"/>
+            <a:r>
+              <a:rPr lang="en-US" dirty="0"/>
+              <a:t>But THO content is provided for the FHIR core and IG build ecosystem in </a:t>
+            </a:r>
+            <a:r>
+              <a:rPr lang="en-US" dirty="0" err="1"/>
+              <a:t>tx.fhir.org</a:t>
+            </a:r>
+            <a:endParaRPr lang="en-US" dirty="0"/>
+          </a:p>
+          <a:p>
+            <a:endParaRPr lang="en-US" dirty="0"/>
+          </a:p>
+          <a:p>
+            <a:endParaRPr lang="en-US" dirty="0"/>
+          </a:p>
+        </p:txBody>
+      </p:sp>
+      <p:sp>
+        <p:nvSpPr>
+          <p:cNvPr id="4" name="Footer Placeholder 3">
+            <a:extLst>
+              <a:ext uri="{FF2B5EF4-FFF2-40B4-BE49-F238E27FC236}">
+                <a16:creationId xmlns:a16="http://schemas.microsoft.com/office/drawing/2014/main" id="{91E14F11-31E3-5125-A2B5-1E71BCACF538}"/>
+              </a:ext>
+            </a:extLst>
+          </p:cNvPr>
+          <p:cNvSpPr>
+            <a:spLocks noGrp="1"/>
+          </p:cNvSpPr>
+          <p:nvPr>
+            <p:ph type="ftr" sz="quarter" idx="10"/>
+          </p:nvPr>
+        </p:nvSpPr>
+        <p:spPr/>
+        <p:txBody>
+          <a:bodyPr/>
+          <a:lstStyle/>
+          <a:p>
+            <a:r>
+              <a:rPr lang="en-US" b="1"/>
+              <a:t>© 2019 Health Level Seven ® International. Licensed under Creative Commons Attribution 4.0 International</a:t>
+            </a:r>
+          </a:p>
+          <a:p>
+            <a:r>
+              <a:rPr lang="en-US" b="1"/>
+              <a:t>HL7, Health Level Seven, FHIR and the FHIR flame logo are registered trademarks of Health Level Seven International. Reg. U.S. TM Office.</a:t>
+            </a:r>
+            <a:endParaRPr lang="en-US" b="1" dirty="0"/>
+          </a:p>
+        </p:txBody>
+      </p:sp>
+      <p:sp>
+        <p:nvSpPr>
+          <p:cNvPr id="5" name="Slide Number Placeholder 4">
+            <a:extLst>
+              <a:ext uri="{FF2B5EF4-FFF2-40B4-BE49-F238E27FC236}">
+                <a16:creationId xmlns:a16="http://schemas.microsoft.com/office/drawing/2014/main" id="{A51C1C9C-13D8-0D82-14D0-8A384F3F9C01}"/>
+              </a:ext>
+            </a:extLst>
+          </p:cNvPr>
+          <p:cNvSpPr>
+            <a:spLocks noGrp="1"/>
+          </p:cNvSpPr>
+          <p:nvPr>
+            <p:ph type="sldNum" sz="quarter" idx="11"/>
+          </p:nvPr>
+        </p:nvSpPr>
+        <p:spPr/>
+        <p:txBody>
+          <a:bodyPr/>
+          <a:lstStyle/>
+          <a:p>
+            <a:fld id="{6CACE926-AEF5-4BFE-8BD7-24414108CB7B}" type="slidenum">
+              <a:rPr lang="en-US" altLang="en-US" smtClean="0"/>
+              <a:pPr/>
+              <a:t>24</a:t>
+            </a:fld>
+            <a:endParaRPr lang="en-US" altLang="en-US" dirty="0"/>
+          </a:p>
+        </p:txBody>
+      </p:sp>
+    </p:spTree>
+    <p:extLst>
+      <p:ext uri="{BB962C8B-B14F-4D97-AF65-F5344CB8AC3E}">
+        <p14:creationId xmlns:p14="http://schemas.microsoft.com/office/powerpoint/2010/main" val="1568763148"/>
+      </p:ext>
+    </p:extLst>
+  </p:cSld>
+  <p:clrMapOvr>
+    <a:masterClrMapping/>
+  </p:clrMapOvr>
+</p:sld>
+</file>
+
+<file path=ppt/slides/slide25.xml><?xml version="1.0" encoding="utf-8"?>
+<p:sld xmlns:a="http://schemas.openxmlformats.org/drawingml/2006/main" xmlns:r="http://schemas.openxmlformats.org/officeDocument/2006/relationships" xmlns:p="http://schemas.openxmlformats.org/presentationml/2006/main">
+  <p:cSld>
+    <p:spTree>
+      <p:nvGrpSpPr>
+        <p:cNvPr id="1" name=""/>
+        <p:cNvGrpSpPr/>
+        <p:nvPr/>
+      </p:nvGrpSpPr>
+      <p:grpSpPr>
+        <a:xfrm>
+          <a:off x="0" y="0"/>
+          <a:ext cx="0" cy="0"/>
+          <a:chOff x="0" y="0"/>
+          <a:chExt cx="0" cy="0"/>
+        </a:xfrm>
+      </p:grpSpPr>
+      <p:sp>
+        <p:nvSpPr>
           <p:cNvPr id="2" name="Title 1"/>
           <p:cNvSpPr>
             <a:spLocks noGrp="1"/>
@@ -12445,7 +12623,7 @@
             <a:fld id="{5CC3E5C4-3E2B-40F1-9F2B-C46CEB0C88DF}" type="slidenum">
               <a:rPr lang="en-CA" smtClean="0"/>
               <a:pPr/>
-              <a:t>24</a:t>
+              <a:t>25</a:t>
             </a:fld>
             <a:endParaRPr lang="en-CA"/>
           </a:p>

--- a/presentations/2024-04 Webinars/FHIR-Terminology-Part-3-2024-04-25.pptx
+++ b/presentations/2024-04 Webinars/FHIR-Terminology-Part-3-2024-04-25.pptx
@@ -20,8 +20,8 @@
     <p:sldId id="643" r:id="rId8"/>
     <p:sldId id="617" r:id="rId9"/>
     <p:sldId id="691" r:id="rId10"/>
-    <p:sldId id="698" r:id="rId11"/>
-    <p:sldId id="692" r:id="rId12"/>
+    <p:sldId id="692" r:id="rId11"/>
+    <p:sldId id="698" r:id="rId12"/>
     <p:sldId id="694" r:id="rId13"/>
     <p:sldId id="696" r:id="rId14"/>
     <p:sldId id="699" r:id="rId15"/>
@@ -9501,7 +9501,7 @@
           <p:cNvPr id="2" name="Title 1">
             <a:extLst>
               <a:ext uri="{FF2B5EF4-FFF2-40B4-BE49-F238E27FC236}">
-                <a16:creationId xmlns:a16="http://schemas.microsoft.com/office/drawing/2014/main" id="{21747FB9-EA58-1CAA-304F-6327EA08C691}"/>
+                <a16:creationId xmlns:a16="http://schemas.microsoft.com/office/drawing/2014/main" id="{052B3018-74D0-76D1-FDF1-29342D2C1FCE}"/>
               </a:ext>
             </a:extLst>
           </p:cNvPr>
@@ -9519,7 +9519,7 @@
           <a:p>
             <a:r>
               <a:rPr lang="en-US" dirty="0"/>
-              <a:t>Alternate terminology servers for FHIR IGs</a:t>
+              <a:t>Your Suggested Topics (cont.)</a:t>
             </a:r>
           </a:p>
         </p:txBody>
@@ -9529,7 +9529,7 @@
           <p:cNvPr id="3" name="Text Placeholder 2">
             <a:extLst>
               <a:ext uri="{FF2B5EF4-FFF2-40B4-BE49-F238E27FC236}">
-                <a16:creationId xmlns:a16="http://schemas.microsoft.com/office/drawing/2014/main" id="{DBE7B1D5-1280-42C6-0B48-8F1F819C144E}"/>
+                <a16:creationId xmlns:a16="http://schemas.microsoft.com/office/drawing/2014/main" id="{D8C0A368-1754-22A3-9471-681CD1CEB7DF}"/>
               </a:ext>
             </a:extLst>
           </p:cNvPr>
@@ -9546,30 +9546,44 @@
           <a:lstStyle/>
           <a:p>
             <a:r>
-              <a:rPr lang="en-US" dirty="0">
-                <a:hlinkClick r:id="rId2"/>
-              </a:rPr>
-              <a:t>Terminology Server Registry Documentation</a:t>
-            </a:r>
-            <a:endParaRPr lang="en-US" dirty="0"/>
-          </a:p>
-          <a:p>
-            <a:r>
-              <a:rPr lang="en-US" dirty="0">
-                <a:hlinkClick r:id="rId3"/>
-              </a:rPr>
-              <a:t>Running your own copy of tx.fhir.org</a:t>
-            </a:r>
-            <a:endParaRPr lang="en-US" dirty="0"/>
-          </a:p>
-          <a:p>
-            <a:r>
-              <a:rPr lang="en-US" dirty="0">
-                <a:hlinkClick r:id="rId4"/>
-              </a:rPr>
-              <a:t>Publishing terminology to the FHIR Ecosystem</a:t>
-            </a:r>
-            <a:endParaRPr lang="en-US" dirty="0"/>
+              <a:rPr lang="en-US" dirty="0"/>
+              <a:t>Terminology considerations in FHIR validation</a:t>
+            </a:r>
+          </a:p>
+          <a:p>
+            <a:pPr lvl="1"/>
+            <a:r>
+              <a:rPr lang="en-US" dirty="0"/>
+              <a:t>How to provide options?</a:t>
+            </a:r>
+          </a:p>
+          <a:p>
+            <a:pPr lvl="1"/>
+            <a:r>
+              <a:rPr lang="en-US" dirty="0"/>
+              <a:t>Validate all coded data instances (or not)?</a:t>
+            </a:r>
+          </a:p>
+          <a:p>
+            <a:pPr lvl="2"/>
+            <a:r>
+              <a:rPr lang="en-US" dirty="0"/>
+              <a:t>What about historic data?	</a:t>
+            </a:r>
+          </a:p>
+          <a:p>
+            <a:pPr lvl="1"/>
+            <a:r>
+              <a:rPr lang="en-US" dirty="0"/>
+              <a:t>How to handle terminology licensing (e.g. SNOMED CT, CPT)</a:t>
+            </a:r>
+          </a:p>
+          <a:p>
+            <a:pPr lvl="1"/>
+            <a:r>
+              <a:rPr lang="en-US" dirty="0"/>
+              <a:t>Regulatory compliance considerations (e.g. HTI-1)</a:t>
+            </a:r>
           </a:p>
         </p:txBody>
       </p:sp>
@@ -9578,7 +9592,7 @@
           <p:cNvPr id="4" name="Footer Placeholder 3">
             <a:extLst>
               <a:ext uri="{FF2B5EF4-FFF2-40B4-BE49-F238E27FC236}">
-                <a16:creationId xmlns:a16="http://schemas.microsoft.com/office/drawing/2014/main" id="{8A25C0E9-B4E1-082E-C0A4-3F96F8AC86E3}"/>
+                <a16:creationId xmlns:a16="http://schemas.microsoft.com/office/drawing/2014/main" id="{AFBCF623-B9C2-CA3F-715B-5518A491BF65}"/>
               </a:ext>
             </a:extLst>
           </p:cNvPr>
@@ -9613,7 +9627,7 @@
           <p:cNvPr id="5" name="Slide Number Placeholder 4">
             <a:extLst>
               <a:ext uri="{FF2B5EF4-FFF2-40B4-BE49-F238E27FC236}">
-                <a16:creationId xmlns:a16="http://schemas.microsoft.com/office/drawing/2014/main" id="{AC3FDEC6-8C7D-6E36-552E-B0A79CB7EC3A}"/>
+                <a16:creationId xmlns:a16="http://schemas.microsoft.com/office/drawing/2014/main" id="{24AE16FA-5F02-C775-0CC5-09E998368F57}"/>
               </a:ext>
             </a:extLst>
           </p:cNvPr>
@@ -9641,7 +9655,7 @@
     </p:spTree>
     <p:extLst>
       <p:ext uri="{BB962C8B-B14F-4D97-AF65-F5344CB8AC3E}">
-        <p14:creationId xmlns:p14="http://schemas.microsoft.com/office/powerpoint/2010/main" val="1308566650"/>
+        <p14:creationId xmlns:p14="http://schemas.microsoft.com/office/powerpoint/2010/main" val="1793938139"/>
       </p:ext>
     </p:extLst>
   </p:cSld>
@@ -9673,7 +9687,7 @@
           <p:cNvPr id="2" name="Title 1">
             <a:extLst>
               <a:ext uri="{FF2B5EF4-FFF2-40B4-BE49-F238E27FC236}">
-                <a16:creationId xmlns:a16="http://schemas.microsoft.com/office/drawing/2014/main" id="{052B3018-74D0-76D1-FDF1-29342D2C1FCE}"/>
+                <a16:creationId xmlns:a16="http://schemas.microsoft.com/office/drawing/2014/main" id="{21747FB9-EA58-1CAA-304F-6327EA08C691}"/>
               </a:ext>
             </a:extLst>
           </p:cNvPr>
@@ -9691,7 +9705,7 @@
           <a:p>
             <a:r>
               <a:rPr lang="en-US" dirty="0"/>
-              <a:t>Your Suggested Topics (cont.)</a:t>
+              <a:t>Alternate terminology servers for FHIR IGs</a:t>
             </a:r>
           </a:p>
         </p:txBody>
@@ -9701,7 +9715,7 @@
           <p:cNvPr id="3" name="Text Placeholder 2">
             <a:extLst>
               <a:ext uri="{FF2B5EF4-FFF2-40B4-BE49-F238E27FC236}">
-                <a16:creationId xmlns:a16="http://schemas.microsoft.com/office/drawing/2014/main" id="{D8C0A368-1754-22A3-9471-681CD1CEB7DF}"/>
+                <a16:creationId xmlns:a16="http://schemas.microsoft.com/office/drawing/2014/main" id="{DBE7B1D5-1280-42C6-0B48-8F1F819C144E}"/>
               </a:ext>
             </a:extLst>
           </p:cNvPr>
@@ -9718,44 +9732,30 @@
           <a:lstStyle/>
           <a:p>
             <a:r>
-              <a:rPr lang="en-US" dirty="0"/>
-              <a:t>Terminology considerations in FHIR validation</a:t>
-            </a:r>
-          </a:p>
-          <a:p>
-            <a:pPr lvl="1"/>
-            <a:r>
-              <a:rPr lang="en-US" dirty="0"/>
-              <a:t>How to provide options?</a:t>
-            </a:r>
-          </a:p>
-          <a:p>
-            <a:pPr lvl="1"/>
-            <a:r>
-              <a:rPr lang="en-US" dirty="0"/>
-              <a:t>Validate all coded data instances (or not)?</a:t>
-            </a:r>
-          </a:p>
-          <a:p>
-            <a:pPr lvl="2"/>
-            <a:r>
-              <a:rPr lang="en-US" dirty="0"/>
-              <a:t>What about historic data?	</a:t>
-            </a:r>
-          </a:p>
-          <a:p>
-            <a:pPr lvl="1"/>
-            <a:r>
-              <a:rPr lang="en-US" dirty="0"/>
-              <a:t>How to handle terminology licensing (e.g. SNOMED CT, CPT)</a:t>
-            </a:r>
-          </a:p>
-          <a:p>
-            <a:pPr lvl="1"/>
-            <a:r>
-              <a:rPr lang="en-US" dirty="0"/>
-              <a:t>Regulatory compliance considerations (e.g. HTI-1)</a:t>
-            </a:r>
+              <a:rPr lang="en-US" dirty="0">
+                <a:hlinkClick r:id="rId2"/>
+              </a:rPr>
+              <a:t>Terminology Server Registry Documentation</a:t>
+            </a:r>
+            <a:endParaRPr lang="en-US" dirty="0"/>
+          </a:p>
+          <a:p>
+            <a:r>
+              <a:rPr lang="en-US" dirty="0">
+                <a:hlinkClick r:id="rId3"/>
+              </a:rPr>
+              <a:t>Running your own copy of tx.fhir.org</a:t>
+            </a:r>
+            <a:endParaRPr lang="en-US" dirty="0"/>
+          </a:p>
+          <a:p>
+            <a:r>
+              <a:rPr lang="en-US" dirty="0">
+                <a:hlinkClick r:id="rId4"/>
+              </a:rPr>
+              <a:t>Publishing terminology to the FHIR Ecosystem</a:t>
+            </a:r>
+            <a:endParaRPr lang="en-US" dirty="0"/>
           </a:p>
         </p:txBody>
       </p:sp>
@@ -9764,7 +9764,7 @@
           <p:cNvPr id="4" name="Footer Placeholder 3">
             <a:extLst>
               <a:ext uri="{FF2B5EF4-FFF2-40B4-BE49-F238E27FC236}">
-                <a16:creationId xmlns:a16="http://schemas.microsoft.com/office/drawing/2014/main" id="{AFBCF623-B9C2-CA3F-715B-5518A491BF65}"/>
+                <a16:creationId xmlns:a16="http://schemas.microsoft.com/office/drawing/2014/main" id="{8A25C0E9-B4E1-082E-C0A4-3F96F8AC86E3}"/>
               </a:ext>
             </a:extLst>
           </p:cNvPr>
@@ -9799,7 +9799,7 @@
           <p:cNvPr id="5" name="Slide Number Placeholder 4">
             <a:extLst>
               <a:ext uri="{FF2B5EF4-FFF2-40B4-BE49-F238E27FC236}">
-                <a16:creationId xmlns:a16="http://schemas.microsoft.com/office/drawing/2014/main" id="{24AE16FA-5F02-C775-0CC5-09E998368F57}"/>
+                <a16:creationId xmlns:a16="http://schemas.microsoft.com/office/drawing/2014/main" id="{AC3FDEC6-8C7D-6E36-552E-B0A79CB7EC3A}"/>
               </a:ext>
             </a:extLst>
           </p:cNvPr>
@@ -9827,7 +9827,7 @@
     </p:spTree>
     <p:extLst>
       <p:ext uri="{BB962C8B-B14F-4D97-AF65-F5344CB8AC3E}">
-        <p14:creationId xmlns:p14="http://schemas.microsoft.com/office/powerpoint/2010/main" val="1793938139"/>
+        <p14:creationId xmlns:p14="http://schemas.microsoft.com/office/powerpoint/2010/main" val="1308566650"/>
       </p:ext>
     </p:extLst>
   </p:cSld>
@@ -10155,7 +10155,7 @@
           <a:p>
             <a:r>
               <a:rPr lang="en-US" dirty="0"/>
-              <a:t>SNOMED CT Description IDs</a:t>
+              <a:t>Representing hierarchy in FHIR</a:t>
             </a:r>
           </a:p>
           <a:p>
@@ -10475,7 +10475,7 @@
           <a:p>
             <a:r>
               <a:rPr lang="en-US" dirty="0"/>
-              <a:t>SNOMED CT Description IDs</a:t>
+              <a:t>Custom code systems and value sets</a:t>
             </a:r>
           </a:p>
           <a:p>
@@ -13127,7 +13127,15 @@
             </a:r>
             <a:r>
               <a:rPr lang="en-US" dirty="0"/>
-              <a:t>Objectives</a:t>
+              <a:t>Objectives </a:t>
+            </a:r>
+            <a:r>
+              <a:rPr lang="en-US" dirty="0">
+                <a:solidFill>
+                  <a:srgbClr val="00B050"/>
+                </a:solidFill>
+              </a:rPr>
+              <a:t>(covered)</a:t>
             </a:r>
             <a:endParaRPr lang="en-US" noProof="0" dirty="0"/>
           </a:p>
